--- a/Project/PCMPresentation.pptx
+++ b/Project/PCMPresentation.pptx
@@ -5,7 +5,7 @@
     <p:sldMasterId id="2147483648" r:id="rId1"/>
   </p:sldMasterIdLst>
   <p:notesMasterIdLst>
-    <p:notesMasterId r:id="rId13"/>
+    <p:notesMasterId r:id="rId15"/>
   </p:notesMasterIdLst>
   <p:sldIdLst>
     <p:sldId id="256" r:id="rId2"/>
@@ -16,9 +16,11 @@
     <p:sldId id="263" r:id="rId7"/>
     <p:sldId id="260" r:id="rId8"/>
     <p:sldId id="264" r:id="rId9"/>
-    <p:sldId id="261" r:id="rId10"/>
-    <p:sldId id="265" r:id="rId11"/>
-    <p:sldId id="266" r:id="rId12"/>
+    <p:sldId id="267" r:id="rId10"/>
+    <p:sldId id="261" r:id="rId11"/>
+    <p:sldId id="268" r:id="rId12"/>
+    <p:sldId id="265" r:id="rId13"/>
+    <p:sldId id="266" r:id="rId14"/>
   </p:sldIdLst>
   <p:sldSz cx="12192000" cy="6858000"/>
   <p:notesSz cx="6858000" cy="9144000"/>
@@ -207,7 +209,7 @@
           <a:p>
             <a:fld id="{9E505D77-0FA2-4618-896E-43749259743B}" type="datetimeFigureOut">
               <a:rPr lang="en-US" smtClean="0"/>
-              <a:t>5/3/2018</a:t>
+              <a:t>5/4/2018</a:t>
             </a:fld>
             <a:endParaRPr lang="en-US"/>
           </a:p>
@@ -1604,7 +1606,7 @@
           <a:p>
             <a:fld id="{6014ED60-A18B-48FE-9E01-60C6FD443BEC}" type="slidenum">
               <a:rPr lang="en-US" smtClean="0"/>
-              <a:t>9</a:t>
+              <a:t>10</a:t>
             </a:fld>
             <a:endParaRPr lang="en-US"/>
           </a:p>
@@ -1754,7 +1756,7 @@
           <a:p>
             <a:fld id="{627C0060-8DBB-4967-B1F0-D5659B4A8409}" type="datetimeFigureOut">
               <a:rPr lang="en-US" smtClean="0"/>
-              <a:t>5/3/2018</a:t>
+              <a:t>5/4/2018</a:t>
             </a:fld>
             <a:endParaRPr lang="en-US"/>
           </a:p>
@@ -1924,7 +1926,7 @@
           <a:p>
             <a:fld id="{627C0060-8DBB-4967-B1F0-D5659B4A8409}" type="datetimeFigureOut">
               <a:rPr lang="en-US" smtClean="0"/>
-              <a:t>5/3/2018</a:t>
+              <a:t>5/4/2018</a:t>
             </a:fld>
             <a:endParaRPr lang="en-US"/>
           </a:p>
@@ -2104,7 +2106,7 @@
           <a:p>
             <a:fld id="{627C0060-8DBB-4967-B1F0-D5659B4A8409}" type="datetimeFigureOut">
               <a:rPr lang="en-US" smtClean="0"/>
-              <a:t>5/3/2018</a:t>
+              <a:t>5/4/2018</a:t>
             </a:fld>
             <a:endParaRPr lang="en-US"/>
           </a:p>
@@ -2274,7 +2276,7 @@
           <a:p>
             <a:fld id="{627C0060-8DBB-4967-B1F0-D5659B4A8409}" type="datetimeFigureOut">
               <a:rPr lang="en-US" smtClean="0"/>
-              <a:t>5/3/2018</a:t>
+              <a:t>5/4/2018</a:t>
             </a:fld>
             <a:endParaRPr lang="en-US"/>
           </a:p>
@@ -2520,7 +2522,7 @@
           <a:p>
             <a:fld id="{627C0060-8DBB-4967-B1F0-D5659B4A8409}" type="datetimeFigureOut">
               <a:rPr lang="en-US" smtClean="0"/>
-              <a:t>5/3/2018</a:t>
+              <a:t>5/4/2018</a:t>
             </a:fld>
             <a:endParaRPr lang="en-US"/>
           </a:p>
@@ -2752,7 +2754,7 @@
           <a:p>
             <a:fld id="{627C0060-8DBB-4967-B1F0-D5659B4A8409}" type="datetimeFigureOut">
               <a:rPr lang="en-US" smtClean="0"/>
-              <a:t>5/3/2018</a:t>
+              <a:t>5/4/2018</a:t>
             </a:fld>
             <a:endParaRPr lang="en-US"/>
           </a:p>
@@ -3119,7 +3121,7 @@
           <a:p>
             <a:fld id="{627C0060-8DBB-4967-B1F0-D5659B4A8409}" type="datetimeFigureOut">
               <a:rPr lang="en-US" smtClean="0"/>
-              <a:t>5/3/2018</a:t>
+              <a:t>5/4/2018</a:t>
             </a:fld>
             <a:endParaRPr lang="en-US"/>
           </a:p>
@@ -3237,7 +3239,7 @@
           <a:p>
             <a:fld id="{627C0060-8DBB-4967-B1F0-D5659B4A8409}" type="datetimeFigureOut">
               <a:rPr lang="en-US" smtClean="0"/>
-              <a:t>5/3/2018</a:t>
+              <a:t>5/4/2018</a:t>
             </a:fld>
             <a:endParaRPr lang="en-US"/>
           </a:p>
@@ -3332,7 +3334,7 @@
           <a:p>
             <a:fld id="{627C0060-8DBB-4967-B1F0-D5659B4A8409}" type="datetimeFigureOut">
               <a:rPr lang="en-US" smtClean="0"/>
-              <a:t>5/3/2018</a:t>
+              <a:t>5/4/2018</a:t>
             </a:fld>
             <a:endParaRPr lang="en-US"/>
           </a:p>
@@ -3609,7 +3611,7 @@
           <a:p>
             <a:fld id="{627C0060-8DBB-4967-B1F0-D5659B4A8409}" type="datetimeFigureOut">
               <a:rPr lang="en-US" smtClean="0"/>
-              <a:t>5/3/2018</a:t>
+              <a:t>5/4/2018</a:t>
             </a:fld>
             <a:endParaRPr lang="en-US"/>
           </a:p>
@@ -3862,7 +3864,7 @@
           <a:p>
             <a:fld id="{627C0060-8DBB-4967-B1F0-D5659B4A8409}" type="datetimeFigureOut">
               <a:rPr lang="en-US" smtClean="0"/>
-              <a:t>5/3/2018</a:t>
+              <a:t>5/4/2018</a:t>
             </a:fld>
             <a:endParaRPr lang="en-US"/>
           </a:p>
@@ -4075,7 +4077,7 @@
           <a:p>
             <a:fld id="{627C0060-8DBB-4967-B1F0-D5659B4A8409}" type="datetimeFigureOut">
               <a:rPr lang="en-US" smtClean="0"/>
-              <a:t>5/3/2018</a:t>
+              <a:t>5/4/2018</a:t>
             </a:fld>
             <a:endParaRPr lang="en-US"/>
           </a:p>
@@ -4642,6 +4644,368 @@
         </p:nvSpPr>
         <p:spPr>
           <a:xfrm>
+            <a:off x="838200" y="4180"/>
+            <a:ext cx="10515600" cy="1325563"/>
+          </a:xfrm>
+        </p:spPr>
+        <p:txBody>
+          <a:bodyPr/>
+          <a:lstStyle/>
+          <a:p>
+            <a:r>
+              <a:rPr lang="en-US" dirty="0" smtClean="0"/>
+              <a:t>Conclusions </a:t>
+            </a:r>
+            <a:endParaRPr lang="en-US" dirty="0"/>
+          </a:p>
+        </p:txBody>
+      </p:sp>
+      <p:sp>
+        <p:nvSpPr>
+          <p:cNvPr id="3" name="Content Placeholder 2"/>
+          <p:cNvSpPr>
+            <a:spLocks noGrp="1"/>
+          </p:cNvSpPr>
+          <p:nvPr>
+            <p:ph idx="1"/>
+          </p:nvPr>
+        </p:nvSpPr>
+        <p:spPr/>
+        <p:txBody>
+          <a:bodyPr/>
+          <a:lstStyle/>
+          <a:p>
+            <a:r>
+              <a:rPr lang="en-US" dirty="0" smtClean="0"/>
+              <a:t>There is a difference between </a:t>
+            </a:r>
+            <a:r>
+              <a:rPr lang="en-US" b="1" i="1" dirty="0" smtClean="0">
+                <a:solidFill>
+                  <a:schemeClr val="accent6"/>
+                </a:solidFill>
+              </a:rPr>
+              <a:t>annual plants </a:t>
+            </a:r>
+            <a:r>
+              <a:rPr lang="en-US" b="1" i="1" dirty="0" smtClean="0"/>
+              <a:t>and </a:t>
+            </a:r>
+            <a:r>
+              <a:rPr lang="en-US" b="1" i="1" dirty="0" smtClean="0">
+                <a:solidFill>
+                  <a:schemeClr val="accent1"/>
+                </a:solidFill>
+              </a:rPr>
+              <a:t>perennial </a:t>
+            </a:r>
+            <a:r>
+              <a:rPr lang="en-US" b="1" i="1" dirty="0">
+                <a:solidFill>
+                  <a:schemeClr val="accent1"/>
+                </a:solidFill>
+              </a:rPr>
+              <a:t>plants</a:t>
+            </a:r>
+            <a:r>
+              <a:rPr lang="en-US" b="1" dirty="0">
+                <a:solidFill>
+                  <a:schemeClr val="accent1"/>
+                </a:solidFill>
+              </a:rPr>
+              <a:t>  </a:t>
+            </a:r>
+            <a:r>
+              <a:rPr lang="en-US" b="1" i="1" dirty="0" smtClean="0"/>
+              <a:t>genome</a:t>
+            </a:r>
+            <a:r>
+              <a:rPr lang="en-US" b="1" dirty="0" smtClean="0"/>
+              <a:t> size</a:t>
+            </a:r>
+            <a:r>
+              <a:rPr lang="en-US" dirty="0" smtClean="0"/>
+              <a:t>.</a:t>
+            </a:r>
+          </a:p>
+          <a:p>
+            <a:pPr lvl="1"/>
+            <a:r>
+              <a:rPr lang="en-US" dirty="0" smtClean="0"/>
+              <a:t> </a:t>
+            </a:r>
+            <a:r>
+              <a:rPr lang="en-US" b="1" i="1" dirty="0" smtClean="0">
+                <a:solidFill>
+                  <a:schemeClr val="accent1"/>
+                </a:solidFill>
+              </a:rPr>
+              <a:t>Perennial </a:t>
+            </a:r>
+            <a:r>
+              <a:rPr lang="en-US" b="1" i="1" dirty="0">
+                <a:solidFill>
+                  <a:schemeClr val="accent1"/>
+                </a:solidFill>
+              </a:rPr>
+              <a:t>plants</a:t>
+            </a:r>
+            <a:r>
+              <a:rPr lang="en-US" b="1" dirty="0">
+                <a:solidFill>
+                  <a:schemeClr val="accent1"/>
+                </a:solidFill>
+              </a:rPr>
+              <a:t> </a:t>
+            </a:r>
+            <a:r>
+              <a:rPr lang="en-US" dirty="0" smtClean="0"/>
+              <a:t>seem to have </a:t>
+            </a:r>
+            <a:r>
+              <a:rPr lang="en-US" dirty="0" smtClean="0"/>
+              <a:t>smaller</a:t>
+            </a:r>
+            <a:r>
+              <a:rPr lang="en-US" dirty="0" smtClean="0"/>
+              <a:t> </a:t>
+            </a:r>
+            <a:r>
+              <a:rPr lang="en-US" dirty="0" smtClean="0"/>
+              <a:t>size </a:t>
+            </a:r>
+            <a:r>
+              <a:rPr lang="en-US" dirty="0" smtClean="0"/>
+              <a:t>and range</a:t>
+            </a:r>
+            <a:r>
+              <a:rPr lang="en-US" dirty="0" smtClean="0"/>
+              <a:t>. This could be due to </a:t>
+            </a:r>
+            <a:r>
+              <a:rPr lang="en-US" dirty="0" smtClean="0"/>
+              <a:t>different </a:t>
+            </a:r>
+            <a:r>
+              <a:rPr lang="en-US" dirty="0" smtClean="0"/>
+              <a:t>selection </a:t>
+            </a:r>
+            <a:r>
+              <a:rPr lang="en-US" dirty="0" smtClean="0"/>
+              <a:t>pressure on genome size.</a:t>
+            </a:r>
+          </a:p>
+          <a:p>
+            <a:pPr lvl="2"/>
+            <a:r>
+              <a:rPr lang="en-US" dirty="0" smtClean="0"/>
+              <a:t>Next: Test if perennial plants have BM </a:t>
+            </a:r>
+            <a:r>
+              <a:rPr lang="en-US" dirty="0" smtClean="0"/>
+              <a:t>evolution using an OU model with two </a:t>
+            </a:r>
+            <a:r>
+              <a:rPr lang="en-US" dirty="0" smtClean="0"/>
+              <a:t>different optimums. </a:t>
+            </a:r>
+            <a:endParaRPr lang="en-US" dirty="0" smtClean="0"/>
+          </a:p>
+          <a:p>
+            <a:pPr lvl="1"/>
+            <a:r>
+              <a:rPr lang="en-US" dirty="0" smtClean="0"/>
+              <a:t>Could this be due to other factors? </a:t>
+            </a:r>
+          </a:p>
+          <a:p>
+            <a:pPr lvl="2"/>
+            <a:r>
+              <a:rPr lang="en-US" dirty="0" smtClean="0"/>
+              <a:t>Type 1 error. Is genome size stochastic?</a:t>
+            </a:r>
+          </a:p>
+          <a:p>
+            <a:pPr lvl="2"/>
+            <a:r>
+              <a:rPr lang="en-US" dirty="0" smtClean="0"/>
+              <a:t>Would adding more sample show two different means </a:t>
+            </a:r>
+            <a:r>
+              <a:rPr lang="en-US" dirty="0"/>
+              <a:t>within </a:t>
+            </a:r>
+            <a:r>
+              <a:rPr lang="en-US" b="1" dirty="0">
+                <a:solidFill>
+                  <a:schemeClr val="accent1"/>
+                </a:solidFill>
+              </a:rPr>
+              <a:t>perennial </a:t>
+            </a:r>
+            <a:r>
+              <a:rPr lang="en-US" b="1" dirty="0" smtClean="0">
+                <a:solidFill>
+                  <a:schemeClr val="accent1"/>
+                </a:solidFill>
+              </a:rPr>
+              <a:t>plants?</a:t>
+            </a:r>
+          </a:p>
+          <a:p>
+            <a:pPr lvl="1"/>
+            <a:endParaRPr lang="en-US" dirty="0"/>
+          </a:p>
+          <a:p>
+            <a:endParaRPr lang="en-US" dirty="0"/>
+          </a:p>
+        </p:txBody>
+      </p:sp>
+    </p:spTree>
+    <p:extLst>
+      <p:ext uri="{BB962C8B-B14F-4D97-AF65-F5344CB8AC3E}">
+        <p14:creationId xmlns:p14="http://schemas.microsoft.com/office/powerpoint/2010/main" val="3620332751"/>
+      </p:ext>
+    </p:extLst>
+  </p:cSld>
+  <p:clrMapOvr>
+    <a:masterClrMapping/>
+  </p:clrMapOvr>
+  <p:timing>
+    <p:tnLst>
+      <p:par>
+        <p:cTn id="1" dur="indefinite" restart="never" nodeType="tmRoot"/>
+      </p:par>
+    </p:tnLst>
+  </p:timing>
+</p:sld>
+</file>
+
+<file path=ppt/slides/slide11.xml><?xml version="1.0" encoding="utf-8"?>
+<p:sld xmlns:a="http://schemas.openxmlformats.org/drawingml/2006/main" xmlns:r="http://schemas.openxmlformats.org/officeDocument/2006/relationships" xmlns:p="http://schemas.openxmlformats.org/presentationml/2006/main">
+  <p:cSld>
+    <p:spTree>
+      <p:nvGrpSpPr>
+        <p:cNvPr id="1" name=""/>
+        <p:cNvGrpSpPr/>
+        <p:nvPr/>
+      </p:nvGrpSpPr>
+      <p:grpSpPr>
+        <a:xfrm>
+          <a:off x="0" y="0"/>
+          <a:ext cx="0" cy="0"/>
+          <a:chOff x="0" y="0"/>
+          <a:chExt cx="0" cy="0"/>
+        </a:xfrm>
+      </p:grpSpPr>
+      <p:sp>
+        <p:nvSpPr>
+          <p:cNvPr id="2" name="Title 1"/>
+          <p:cNvSpPr>
+            <a:spLocks noGrp="1"/>
+          </p:cNvSpPr>
+          <p:nvPr>
+            <p:ph type="title"/>
+          </p:nvPr>
+        </p:nvSpPr>
+        <p:spPr/>
+        <p:txBody>
+          <a:bodyPr/>
+          <a:lstStyle/>
+          <a:p>
+            <a:r>
+              <a:rPr lang="en-US" dirty="0" smtClean="0"/>
+              <a:t>For fun.. </a:t>
+            </a:r>
+            <a:endParaRPr lang="en-US" dirty="0"/>
+          </a:p>
+        </p:txBody>
+      </p:sp>
+      <p:sp>
+        <p:nvSpPr>
+          <p:cNvPr id="3" name="Content Placeholder 2"/>
+          <p:cNvSpPr>
+            <a:spLocks noGrp="1"/>
+          </p:cNvSpPr>
+          <p:nvPr>
+            <p:ph idx="1"/>
+          </p:nvPr>
+        </p:nvSpPr>
+        <p:spPr/>
+        <p:txBody>
+          <a:bodyPr/>
+          <a:lstStyle/>
+          <a:p>
+            <a:endParaRPr lang="en-US"/>
+          </a:p>
+        </p:txBody>
+      </p:sp>
+      <p:pic>
+        <p:nvPicPr>
+          <p:cNvPr id="4" name="Picture 3"/>
+          <p:cNvPicPr>
+            <a:picLocks noChangeAspect="1"/>
+          </p:cNvPicPr>
+          <p:nvPr/>
+        </p:nvPicPr>
+        <p:blipFill>
+          <a:blip r:embed="rId2"/>
+          <a:stretch>
+            <a:fillRect/>
+          </a:stretch>
+        </p:blipFill>
+        <p:spPr>
+          <a:xfrm>
+            <a:off x="1362055" y="1452283"/>
+            <a:ext cx="9099756" cy="5132484"/>
+          </a:xfrm>
+          <a:prstGeom prst="rect">
+            <a:avLst/>
+          </a:prstGeom>
+        </p:spPr>
+      </p:pic>
+    </p:spTree>
+    <p:extLst>
+      <p:ext uri="{BB962C8B-B14F-4D97-AF65-F5344CB8AC3E}">
+        <p14:creationId xmlns:p14="http://schemas.microsoft.com/office/powerpoint/2010/main" val="2350518736"/>
+      </p:ext>
+    </p:extLst>
+  </p:cSld>
+  <p:clrMapOvr>
+    <a:masterClrMapping/>
+  </p:clrMapOvr>
+</p:sld>
+</file>
+
+<file path=ppt/slides/slide12.xml><?xml version="1.0" encoding="utf-8"?>
+<p:sld xmlns:a="http://schemas.openxmlformats.org/drawingml/2006/main" xmlns:r="http://schemas.openxmlformats.org/officeDocument/2006/relationships" xmlns:p="http://schemas.openxmlformats.org/presentationml/2006/main">
+  <p:cSld>
+    <p:spTree>
+      <p:nvGrpSpPr>
+        <p:cNvPr id="1" name=""/>
+        <p:cNvGrpSpPr/>
+        <p:nvPr/>
+      </p:nvGrpSpPr>
+      <p:grpSpPr>
+        <a:xfrm>
+          <a:off x="0" y="0"/>
+          <a:ext cx="0" cy="0"/>
+          <a:chOff x="0" y="0"/>
+          <a:chExt cx="0" cy="0"/>
+        </a:xfrm>
+      </p:grpSpPr>
+      <p:sp>
+        <p:nvSpPr>
+          <p:cNvPr id="2" name="Title 1"/>
+          <p:cNvSpPr>
+            <a:spLocks noGrp="1"/>
+          </p:cNvSpPr>
+          <p:nvPr>
+            <p:ph type="title"/>
+          </p:nvPr>
+        </p:nvSpPr>
+        <p:spPr>
+          <a:xfrm>
             <a:off x="116305" y="-299304"/>
             <a:ext cx="10515600" cy="1325563"/>
           </a:xfrm>
@@ -4757,7 +5121,7 @@
 </p:sld>
 </file>
 
-<file path=ppt/slides/slide11.xml><?xml version="1.0" encoding="utf-8"?>
+<file path=ppt/slides/slide13.xml><?xml version="1.0" encoding="utf-8"?>
 <p:sld xmlns:a="http://schemas.openxmlformats.org/drawingml/2006/main" xmlns:r="http://schemas.openxmlformats.org/officeDocument/2006/relationships" xmlns:p="http://schemas.openxmlformats.org/presentationml/2006/main">
   <p:cSld>
     <p:spTree>
@@ -4911,7 +5275,6 @@
               <a:rPr lang="en-US" sz="2800" dirty="0"/>
               <a:t>form</a:t>
             </a:r>
-            <a:endParaRPr lang="en-US" sz="2800" dirty="0"/>
           </a:p>
         </p:txBody>
       </p:sp>
@@ -5372,11 +5735,7 @@
           <a:p>
             <a:r>
               <a:rPr lang="en-US" dirty="0" smtClean="0"/>
-              <a:t>Previous work with genome </a:t>
-            </a:r>
-            <a:r>
-              <a:rPr lang="en-US" dirty="0" smtClean="0"/>
-              <a:t>size</a:t>
+              <a:t>Previous work with genome size</a:t>
             </a:r>
             <a:endParaRPr lang="en-US" dirty="0"/>
           </a:p>
@@ -5447,7 +5806,6 @@
               <a:rPr lang="en-US" dirty="0"/>
               <a:t>. Molecular Biology and Evolution, Volume 21, Issue 5, 1 May 2004, Pages 860–869</a:t>
             </a:r>
-            <a:endParaRPr lang="en-US" dirty="0"/>
           </a:p>
         </p:txBody>
       </p:sp>
@@ -5595,7 +5953,15 @@
             </a:r>
             <a:r>
               <a:rPr lang="en-US" sz="1300" dirty="0"/>
-              <a:t>(s) 1705- 1729https://doi.org/10.1554/03-545</a:t>
+              <a:t>(s) 1705- </a:t>
+            </a:r>
+            <a:r>
+              <a:rPr lang="en-US" sz="1300" dirty="0" smtClean="0"/>
+              <a:t>1729 https</a:t>
+            </a:r>
+            <a:r>
+              <a:rPr lang="en-US" sz="1300" dirty="0"/>
+              <a:t>://doi.org/10.1554/03-545</a:t>
             </a:r>
           </a:p>
         </p:txBody>
@@ -6351,7 +6717,7 @@
       </p:sp>
       <p:graphicFrame>
         <p:nvGraphicFramePr>
-          <p:cNvPr id="5" name="Content Placeholder 4"/>
+          <p:cNvPr id="4" name="Content Placeholder 3"/>
           <p:cNvGraphicFramePr>
             <a:graphicFrameLocks noGrp="1"/>
           </p:cNvGraphicFramePr>
@@ -6359,14 +6725,14 @@
             <p:ph idx="1"/>
             <p:extLst>
               <p:ext uri="{D42A27DB-BD31-4B8C-83A1-F6EECF244321}">
-                <p14:modId xmlns:p14="http://schemas.microsoft.com/office/powerpoint/2010/main" val="1133691245"/>
+                <p14:modId xmlns:p14="http://schemas.microsoft.com/office/powerpoint/2010/main" val="809634838"/>
               </p:ext>
             </p:extLst>
           </p:nvPr>
         </p:nvGraphicFramePr>
         <p:xfrm>
-          <a:off x="641685" y="1512010"/>
-          <a:ext cx="10844462" cy="4439611"/>
+          <a:off x="497541" y="1329743"/>
+          <a:ext cx="11147611" cy="5345097"/>
         </p:xfrm>
         <a:graphic>
           <a:graphicData uri="http://schemas.openxmlformats.org/drawingml/2006/table">
@@ -6375,12 +6741,13 @@
                 <a:tableStyleId>{5C22544A-7EE6-4342-B048-85BDC9FD1C3A}</a:tableStyleId>
               </a:tblPr>
               <a:tblGrid>
-                <a:gridCol w="3931575"/>
-                <a:gridCol w="2401759"/>
-                <a:gridCol w="1942291"/>
-                <a:gridCol w="2568837"/>
+                <a:gridCol w="3308693"/>
+                <a:gridCol w="2021246"/>
+                <a:gridCol w="2021246"/>
+                <a:gridCol w="1634572"/>
+                <a:gridCol w="2161854"/>
               </a:tblGrid>
-              <a:tr h="807202">
+              <a:tr h="1064149">
                 <a:tc>
                   <a:txBody>
                     <a:bodyPr/>
@@ -6388,12 +6755,12 @@
                     <a:p>
                       <a:pPr algn="l" fontAlgn="b"/>
                       <a:r>
-                        <a:rPr lang="en-US" sz="2400" b="1" u="none" strike="noStrike" dirty="0">
+                        <a:rPr lang="en-US" sz="2800" b="1" u="none" strike="noStrike" dirty="0">
                           <a:effectLst/>
                         </a:rPr>
                         <a:t>Model</a:t>
                       </a:r>
-                      <a:endParaRPr lang="en-US" sz="2400" b="1" i="0" u="none" strike="noStrike" dirty="0">
+                      <a:endParaRPr lang="en-US" sz="2800" b="1" i="0" u="none" strike="noStrike" dirty="0">
                         <a:solidFill>
                           <a:srgbClr val="000000"/>
                         </a:solidFill>
@@ -6411,18 +6778,12 @@
                     <a:p>
                       <a:pPr algn="l" fontAlgn="b"/>
                       <a:r>
-                        <a:rPr lang="en-US" sz="2400" b="1" u="none" strike="noStrike" dirty="0" err="1">
+                        <a:rPr lang="en-US" sz="2800" b="1" u="none" strike="noStrike">
                           <a:effectLst/>
                         </a:rPr>
-                        <a:t>LnLike</a:t>
+                        <a:t>LnLike Value</a:t>
                       </a:r>
-                      <a:r>
-                        <a:rPr lang="en-US" sz="2400" b="1" u="none" strike="noStrike" dirty="0">
-                          <a:effectLst/>
-                        </a:rPr>
-                        <a:t> Value</a:t>
-                      </a:r>
-                      <a:endParaRPr lang="en-US" sz="2400" b="1" i="0" u="none" strike="noStrike" dirty="0">
+                      <a:endParaRPr lang="en-US" sz="2800" b="1" i="0" u="none" strike="noStrike">
                         <a:solidFill>
                           <a:srgbClr val="000000"/>
                         </a:solidFill>
@@ -6440,12 +6801,35 @@
                     <a:p>
                       <a:pPr algn="l" fontAlgn="b"/>
                       <a:r>
-                        <a:rPr lang="en-US" sz="2400" b="1" u="none" strike="noStrike" dirty="0">
+                        <a:rPr lang="en-US" sz="2800" b="1" u="none" strike="noStrike" dirty="0">
+                          <a:effectLst/>
+                        </a:rPr>
+                        <a:t>AIC Values</a:t>
+                      </a:r>
+                      <a:endParaRPr lang="en-US" sz="2800" b="1" i="0" u="none" strike="noStrike" dirty="0">
+                        <a:solidFill>
+                          <a:srgbClr val="000000"/>
+                        </a:solidFill>
+                        <a:effectLst/>
+                        <a:latin typeface="Times New Roman" panose="02020603050405020304" pitchFamily="18" charset="0"/>
+                      </a:endParaRPr>
+                    </a:p>
+                  </a:txBody>
+                  <a:tcPr marL="9525" marR="9525" marT="9525" marB="0" anchor="b"/>
+                </a:tc>
+                <a:tc>
+                  <a:txBody>
+                    <a:bodyPr/>
+                    <a:lstStyle/>
+                    <a:p>
+                      <a:pPr algn="l" fontAlgn="b"/>
+                      <a:r>
+                        <a:rPr lang="en-US" sz="2800" b="1" u="none" strike="noStrike" dirty="0">
                           <a:effectLst/>
                         </a:rPr>
                         <a:t>P-value</a:t>
                       </a:r>
-                      <a:endParaRPr lang="en-US" sz="2400" b="1" i="0" u="none" strike="noStrike" dirty="0">
+                      <a:endParaRPr lang="en-US" sz="2800" b="1" i="0" u="none" strike="noStrike" dirty="0">
                         <a:solidFill>
                           <a:srgbClr val="000000"/>
                         </a:solidFill>
@@ -6463,12 +6847,12 @@
                     <a:p>
                       <a:pPr algn="l" fontAlgn="ctr"/>
                       <a:r>
-                        <a:rPr lang="en-US" sz="2400" b="1" u="none" strike="noStrike" dirty="0">
+                        <a:rPr lang="en-US" sz="2800" b="1" u="none" strike="noStrike" dirty="0">
                           <a:effectLst/>
                         </a:rPr>
                         <a:t>Residual standard error</a:t>
                       </a:r>
-                      <a:endParaRPr lang="en-US" sz="2400" b="1" i="0" u="none" strike="noStrike" dirty="0">
+                      <a:endParaRPr lang="en-US" sz="2800" b="1" i="0" u="none" strike="noStrike" dirty="0">
                         <a:solidFill>
                           <a:srgbClr val="000000"/>
                         </a:solidFill>
@@ -6480,7 +6864,7 @@
                   <a:tcPr marL="9525" marR="9525" marT="9525" marB="0" anchor="ctr"/>
                 </a:tc>
               </a:tr>
-              <a:tr h="807202">
+              <a:tr h="1064149">
                 <a:tc>
                   <a:txBody>
                     <a:bodyPr/>
@@ -6488,12 +6872,12 @@
                     <a:p>
                       <a:pPr algn="l" fontAlgn="b"/>
                       <a:r>
-                        <a:rPr lang="en-US" sz="2400" u="none" strike="noStrike" dirty="0">
+                        <a:rPr lang="en-US" sz="2800" u="none" strike="noStrike">
                           <a:effectLst/>
                         </a:rPr>
                         <a:t>chromosome number ~ life form</a:t>
                       </a:r>
-                      <a:endParaRPr lang="en-US" sz="2400" b="0" i="0" u="none" strike="noStrike" dirty="0">
+                      <a:endParaRPr lang="en-US" sz="2800" b="0" i="0" u="none" strike="noStrike">
                         <a:solidFill>
                           <a:srgbClr val="000000"/>
                         </a:solidFill>
@@ -6511,12 +6895,12 @@
                     <a:p>
                       <a:pPr algn="r" fontAlgn="ctr"/>
                       <a:r>
-                        <a:rPr lang="en-US" sz="2400" u="none" strike="noStrike">
+                        <a:rPr lang="en-US" sz="2800" u="none" strike="noStrike">
                           <a:effectLst/>
                         </a:rPr>
                         <a:t>-451.334</a:t>
                       </a:r>
-                      <a:endParaRPr lang="en-US" sz="2400" b="0" i="0" u="none" strike="noStrike">
+                      <a:endParaRPr lang="en-US" sz="2800" b="0" i="0" u="none" strike="noStrike">
                         <a:solidFill>
                           <a:srgbClr val="000000"/>
                         </a:solidFill>
@@ -6534,12 +6918,12 @@
                     <a:p>
                       <a:pPr algn="r" fontAlgn="ctr"/>
                       <a:r>
-                        <a:rPr lang="en-US" sz="2400" u="none" strike="noStrike">
+                        <a:rPr lang="en-US" sz="2800" u="none" strike="noStrike">
                           <a:effectLst/>
                         </a:rPr>
-                        <a:t>0.0092</a:t>
+                        <a:t>908.6679</a:t>
                       </a:r>
-                      <a:endParaRPr lang="en-US" sz="2400" b="0" i="0" u="none" strike="noStrike">
+                      <a:endParaRPr lang="en-US" sz="2800" b="0" i="0" u="none" strike="noStrike">
                         <a:solidFill>
                           <a:srgbClr val="000000"/>
                         </a:solidFill>
@@ -6557,12 +6941,35 @@
                     <a:p>
                       <a:pPr algn="r" fontAlgn="ctr"/>
                       <a:r>
-                        <a:rPr lang="en-US" sz="2400" u="none" strike="noStrike">
+                        <a:rPr lang="en-US" sz="2800" u="none" strike="noStrike">
+                          <a:effectLst/>
+                        </a:rPr>
+                        <a:t>0.0092</a:t>
+                      </a:r>
+                      <a:endParaRPr lang="en-US" sz="2800" b="0" i="0" u="none" strike="noStrike">
+                        <a:solidFill>
+                          <a:srgbClr val="000000"/>
+                        </a:solidFill>
+                        <a:effectLst/>
+                        <a:latin typeface="Times New Roman" panose="02020603050405020304" pitchFamily="18" charset="0"/>
+                      </a:endParaRPr>
+                    </a:p>
+                  </a:txBody>
+                  <a:tcPr marL="9525" marR="9525" marT="9525" marB="0" anchor="ctr"/>
+                </a:tc>
+                <a:tc>
+                  <a:txBody>
+                    <a:bodyPr/>
+                    <a:lstStyle/>
+                    <a:p>
+                      <a:pPr algn="r" fontAlgn="ctr"/>
+                      <a:r>
+                        <a:rPr lang="en-US" sz="2800" u="none" strike="noStrike">
                           <a:effectLst/>
                         </a:rPr>
                         <a:t>13.13198</a:t>
                       </a:r>
-                      <a:endParaRPr lang="en-US" sz="2400" b="0" i="0" u="none" strike="noStrike">
+                      <a:endParaRPr lang="en-US" sz="2800" b="0" i="0" u="none" strike="noStrike">
                         <a:solidFill>
                           <a:srgbClr val="000000"/>
                         </a:solidFill>
@@ -6574,7 +6981,7 @@
                   <a:tcPr marL="9525" marR="9525" marT="9525" marB="0" anchor="ctr"/>
                 </a:tc>
               </a:tr>
-              <a:tr h="807202">
+              <a:tr h="1064149">
                 <a:tc>
                   <a:txBody>
                     <a:bodyPr/>
@@ -6582,12 +6989,12 @@
                     <a:p>
                       <a:pPr algn="l" fontAlgn="b"/>
                       <a:r>
-                        <a:rPr lang="en-US" sz="2400" u="none" strike="noStrike" dirty="0">
+                        <a:rPr lang="en-US" sz="2800" u="none" strike="noStrike">
                           <a:effectLst/>
                         </a:rPr>
                         <a:t>Genome size ~ chromosome number</a:t>
                       </a:r>
-                      <a:endParaRPr lang="en-US" sz="2400" b="0" i="0" u="none" strike="noStrike" dirty="0">
+                      <a:endParaRPr lang="en-US" sz="2800" b="0" i="0" u="none" strike="noStrike">
                         <a:solidFill>
                           <a:srgbClr val="000000"/>
                         </a:solidFill>
@@ -6605,12 +7012,12 @@
                     <a:p>
                       <a:pPr algn="r" fontAlgn="ctr"/>
                       <a:r>
-                        <a:rPr lang="en-US" sz="2400" u="none" strike="noStrike">
+                        <a:rPr lang="en-US" sz="2800" u="none" strike="noStrike">
                           <a:effectLst/>
                         </a:rPr>
                         <a:t>-197.1063</a:t>
                       </a:r>
-                      <a:endParaRPr lang="en-US" sz="2400" b="0" i="0" u="none" strike="noStrike">
+                      <a:endParaRPr lang="en-US" sz="2800" b="0" i="0" u="none" strike="noStrike">
                         <a:solidFill>
                           <a:srgbClr val="000000"/>
                         </a:solidFill>
@@ -6628,12 +7035,12 @@
                     <a:p>
                       <a:pPr algn="r" fontAlgn="ctr"/>
                       <a:r>
-                        <a:rPr lang="en-US" sz="2400" u="none" strike="noStrike">
+                        <a:rPr lang="en-US" sz="2800" u="none" strike="noStrike">
                           <a:effectLst/>
                         </a:rPr>
-                        <a:t>1.00E-04</a:t>
+                        <a:t>400.2127</a:t>
                       </a:r>
-                      <a:endParaRPr lang="en-US" sz="2400" b="0" i="0" u="none" strike="noStrike">
+                      <a:endParaRPr lang="en-US" sz="2800" b="0" i="0" u="none" strike="noStrike">
                         <a:solidFill>
                           <a:srgbClr val="000000"/>
                         </a:solidFill>
@@ -6651,12 +7058,35 @@
                     <a:p>
                       <a:pPr algn="r" fontAlgn="ctr"/>
                       <a:r>
-                        <a:rPr lang="en-US" sz="2400" u="none" strike="noStrike">
+                        <a:rPr lang="en-US" sz="2800" u="none" strike="noStrike">
+                          <a:effectLst/>
+                        </a:rPr>
+                        <a:t>1.00E-04</a:t>
+                      </a:r>
+                      <a:endParaRPr lang="en-US" sz="2800" b="0" i="0" u="none" strike="noStrike">
+                        <a:solidFill>
+                          <a:srgbClr val="000000"/>
+                        </a:solidFill>
+                        <a:effectLst/>
+                        <a:latin typeface="Times New Roman" panose="02020603050405020304" pitchFamily="18" charset="0"/>
+                      </a:endParaRPr>
+                    </a:p>
+                  </a:txBody>
+                  <a:tcPr marL="9525" marR="9525" marT="9525" marB="0" anchor="ctr"/>
+                </a:tc>
+                <a:tc>
+                  <a:txBody>
+                    <a:bodyPr/>
+                    <a:lstStyle/>
+                    <a:p>
+                      <a:pPr algn="r" fontAlgn="ctr"/>
+                      <a:r>
+                        <a:rPr lang="en-US" sz="2800" u="none" strike="noStrike">
                           <a:effectLst/>
                         </a:rPr>
                         <a:t>1.317146</a:t>
                       </a:r>
-                      <a:endParaRPr lang="en-US" sz="2400" b="0" i="0" u="none" strike="noStrike">
+                      <a:endParaRPr lang="en-US" sz="2800" b="0" i="0" u="none" strike="noStrike">
                         <a:solidFill>
                           <a:srgbClr val="000000"/>
                         </a:solidFill>
@@ -6668,7 +7098,7 @@
                   <a:tcPr marL="9525" marR="9525" marT="9525" marB="0" anchor="ctr"/>
                 </a:tc>
               </a:tr>
-              <a:tr h="807202">
+              <a:tr h="532074">
                 <a:tc>
                   <a:txBody>
                     <a:bodyPr/>
@@ -6676,12 +7106,18 @@
                     <a:p>
                       <a:pPr algn="l" fontAlgn="b"/>
                       <a:r>
-                        <a:rPr lang="en-US" sz="2400" u="none" strike="noStrike">
+                        <a:rPr lang="en-US" sz="2800" b="0" i="1" u="none" strike="noStrike" dirty="0" smtClean="0">
                           <a:effectLst/>
                         </a:rPr>
-                        <a:t>genome size ~ life form</a:t>
+                        <a:t>Genome </a:t>
                       </a:r>
-                      <a:endParaRPr lang="en-US" sz="2400" b="0" i="0" u="none" strike="noStrike">
+                      <a:r>
+                        <a:rPr lang="en-US" sz="2800" b="0" i="1" u="none" strike="noStrike" dirty="0">
+                          <a:effectLst/>
+                        </a:rPr>
+                        <a:t>size ~ life form</a:t>
+                      </a:r>
+                      <a:endParaRPr lang="en-US" sz="2800" b="0" i="1" u="none" strike="noStrike" dirty="0">
                         <a:solidFill>
                           <a:srgbClr val="000000"/>
                         </a:solidFill>
@@ -6699,12 +7135,58 @@
                     <a:p>
                       <a:pPr algn="r" fontAlgn="ctr"/>
                       <a:r>
-                        <a:rPr lang="en-US" sz="2400" u="none" strike="noStrike" dirty="0">
+                        <a:rPr lang="en-US" sz="2800" b="0" i="1" u="none" strike="noStrike" dirty="0">
                           <a:effectLst/>
                         </a:rPr>
                         <a:t>-194.8883</a:t>
                       </a:r>
-                      <a:endParaRPr lang="en-US" sz="2400" b="0" i="0" u="none" strike="noStrike" dirty="0">
+                      <a:endParaRPr lang="en-US" sz="2800" b="0" i="1" u="none" strike="noStrike" dirty="0">
+                        <a:solidFill>
+                          <a:srgbClr val="000000"/>
+                        </a:solidFill>
+                        <a:effectLst/>
+                        <a:latin typeface="Times New Roman" panose="02020603050405020304" pitchFamily="18" charset="0"/>
+                      </a:endParaRPr>
+                    </a:p>
+                  </a:txBody>
+                  <a:tcPr marL="9525" marR="9525" marT="9525" marB="0" anchor="ctr"/>
+                </a:tc>
+                <a:tc>
+                  <a:txBody>
+                    <a:bodyPr/>
+                    <a:lstStyle/>
+                    <a:p>
+                      <a:pPr algn="r" fontAlgn="b"/>
+                      <a:r>
+                        <a:rPr lang="en-US" sz="2800" b="0" i="1" u="none" strike="noStrike" dirty="0">
+                          <a:effectLst/>
+                        </a:rPr>
+                        <a:t>395.7765</a:t>
+                      </a:r>
+                      <a:endParaRPr lang="en-US" sz="2800" b="0" i="1" u="none" strike="noStrike" dirty="0">
+                        <a:solidFill>
+                          <a:srgbClr val="000000"/>
+                        </a:solidFill>
+                        <a:effectLst/>
+                        <a:latin typeface="Times New Roman" panose="02020603050405020304" pitchFamily="18" charset="0"/>
+                      </a:endParaRPr>
+                    </a:p>
+                  </a:txBody>
+                  <a:tcPr marL="9525" marR="9525" marT="9525" marB="0" anchor="b"/>
+                </a:tc>
+                <a:tc>
+                  <a:txBody>
+                    <a:bodyPr/>
+                    <a:lstStyle/>
+                    <a:p>
+                      <a:pPr algn="r" fontAlgn="ctr"/>
+                      <a:r>
+                        <a:rPr lang="en-US" sz="2800" b="0" i="1" u="none" strike="noStrike" dirty="0">
+                          <a:effectLst/>
+                        </a:rPr>
+                        <a:t>2.00E-04</a:t>
+                      </a:r>
+                      <a:endParaRPr lang="en-US" sz="2800" b="0" i="1" u="none" strike="noStrike" dirty="0">
                         <a:solidFill>
                           <a:srgbClr val="000000"/>
                         </a:solidFill>
@@ -6722,12 +7204,60 @@
                     <a:p>
                       <a:pPr algn="r" fontAlgn="ctr"/>
                       <a:r>
-                        <a:rPr lang="en-US" sz="2400" u="none" strike="noStrike">
+                        <a:rPr lang="en-US" sz="2800" b="0" i="1" u="none" strike="noStrike" dirty="0">
                           <a:effectLst/>
                         </a:rPr>
-                        <a:t>2.00E-04</a:t>
+                        <a:t>1.330237</a:t>
                       </a:r>
-                      <a:endParaRPr lang="en-US" sz="2400" b="0" i="0" u="none" strike="noStrike">
+                      <a:endParaRPr lang="en-US" sz="2800" b="0" i="1" u="none" strike="noStrike" dirty="0">
+                        <a:solidFill>
+                          <a:srgbClr val="000000"/>
+                        </a:solidFill>
+                        <a:effectLst/>
+                        <a:latin typeface="Times New Roman" panose="02020603050405020304" pitchFamily="18" charset="0"/>
+                      </a:endParaRPr>
+                    </a:p>
+                  </a:txBody>
+                  <a:tcPr marL="9525" marR="9525" marT="9525" marB="0" anchor="ctr"/>
+                </a:tc>
+              </a:tr>
+              <a:tr h="1064149">
+                <a:tc>
+                  <a:txBody>
+                    <a:bodyPr/>
+                    <a:lstStyle/>
+                    <a:p>
+                      <a:pPr algn="l" fontAlgn="b"/>
+                      <a:r>
+                        <a:rPr lang="en-US" sz="2800" u="none" strike="noStrike">
+                          <a:effectLst/>
+                        </a:rPr>
+                        <a:t>Genome size ~ chromosome number + life form</a:t>
+                      </a:r>
+                      <a:endParaRPr lang="en-US" sz="2800" b="0" i="0" u="none" strike="noStrike">
+                        <a:solidFill>
+                          <a:srgbClr val="000000"/>
+                        </a:solidFill>
+                        <a:effectLst/>
+                        <a:latin typeface="Times New Roman" panose="02020603050405020304" pitchFamily="18" charset="0"/>
+                      </a:endParaRPr>
+                    </a:p>
+                  </a:txBody>
+                  <a:tcPr marL="9525" marR="9525" marT="9525" marB="0" anchor="b"/>
+                </a:tc>
+                <a:tc>
+                  <a:txBody>
+                    <a:bodyPr/>
+                    <a:lstStyle/>
+                    <a:p>
+                      <a:pPr algn="r" fontAlgn="ctr"/>
+                      <a:r>
+                        <a:rPr lang="en-US" sz="2800" u="none" strike="noStrike">
+                          <a:effectLst/>
+                        </a:rPr>
+                        <a:t>-193.1446</a:t>
+                      </a:r>
+                      <a:endParaRPr lang="en-US" sz="2800" b="0" i="0" u="none" strike="noStrike">
                         <a:solidFill>
                           <a:srgbClr val="000000"/>
                         </a:solidFill>
@@ -6745,60 +7275,12 @@
                     <a:p>
                       <a:pPr algn="r" fontAlgn="ctr"/>
                       <a:r>
-                        <a:rPr lang="en-US" sz="2400" u="none" strike="noStrike">
+                        <a:rPr lang="en-US" sz="2800" u="none" strike="noStrike">
                           <a:effectLst/>
                         </a:rPr>
-                        <a:t>1.330237</a:t>
+                        <a:t>394.2892</a:t>
                       </a:r>
-                      <a:endParaRPr lang="en-US" sz="2400" b="0" i="0" u="none" strike="noStrike">
-                        <a:solidFill>
-                          <a:srgbClr val="000000"/>
-                        </a:solidFill>
-                        <a:effectLst/>
-                        <a:latin typeface="Times New Roman" panose="02020603050405020304" pitchFamily="18" charset="0"/>
-                      </a:endParaRPr>
-                    </a:p>
-                  </a:txBody>
-                  <a:tcPr marL="9525" marR="9525" marT="9525" marB="0" anchor="ctr"/>
-                </a:tc>
-              </a:tr>
-              <a:tr h="1210803">
-                <a:tc>
-                  <a:txBody>
-                    <a:bodyPr/>
-                    <a:lstStyle/>
-                    <a:p>
-                      <a:pPr algn="l" fontAlgn="b"/>
-                      <a:r>
-                        <a:rPr lang="en-US" sz="2400" u="none" strike="noStrike">
-                          <a:effectLst/>
-                        </a:rPr>
-                        <a:t>Genome size ~ chromosome number + life form</a:t>
-                      </a:r>
-                      <a:endParaRPr lang="en-US" sz="2400" b="0" i="0" u="none" strike="noStrike">
-                        <a:solidFill>
-                          <a:srgbClr val="000000"/>
-                        </a:solidFill>
-                        <a:effectLst/>
-                        <a:latin typeface="Times New Roman" panose="02020603050405020304" pitchFamily="18" charset="0"/>
-                      </a:endParaRPr>
-                    </a:p>
-                  </a:txBody>
-                  <a:tcPr marL="9525" marR="9525" marT="9525" marB="0" anchor="b"/>
-                </a:tc>
-                <a:tc>
-                  <a:txBody>
-                    <a:bodyPr/>
-                    <a:lstStyle/>
-                    <a:p>
-                      <a:pPr algn="r" fontAlgn="ctr"/>
-                      <a:r>
-                        <a:rPr lang="en-US" sz="2400" u="none" strike="noStrike">
-                          <a:effectLst/>
-                        </a:rPr>
-                        <a:t>-193.1446</a:t>
-                      </a:r>
-                      <a:endParaRPr lang="en-US" sz="2400" b="0" i="0" u="none" strike="noStrike">
+                      <a:endParaRPr lang="en-US" sz="2800" b="0" i="0" u="none" strike="noStrike">
                         <a:solidFill>
                           <a:srgbClr val="000000"/>
                         </a:solidFill>
@@ -6816,12 +7298,12 @@
                     <a:p>
                       <a:pPr algn="l" fontAlgn="ctr"/>
                       <a:r>
-                        <a:rPr lang="en-US" sz="2400" u="none" strike="noStrike">
+                        <a:rPr lang="en-US" sz="2800" u="none" strike="noStrike">
                           <a:effectLst/>
                         </a:rPr>
                         <a:t>0.0032 (lf), 0.0010 (ch#)</a:t>
                       </a:r>
-                      <a:endParaRPr lang="en-US" sz="2400" b="0" i="0" u="none" strike="noStrike">
+                      <a:endParaRPr lang="en-US" sz="2800" b="0" i="0" u="none" strike="noStrike">
                         <a:solidFill>
                           <a:srgbClr val="000000"/>
                         </a:solidFill>
@@ -6839,12 +7321,12 @@
                     <a:p>
                       <a:pPr algn="r" fontAlgn="ctr"/>
                       <a:r>
-                        <a:rPr lang="en-US" sz="2400" u="none" strike="noStrike" dirty="0">
+                        <a:rPr lang="en-US" sz="2800" u="none" strike="noStrike" dirty="0">
                           <a:effectLst/>
                         </a:rPr>
                         <a:t>1.271947</a:t>
                       </a:r>
-                      <a:endParaRPr lang="en-US" sz="2400" b="0" i="0" u="none" strike="noStrike" dirty="0">
+                      <a:endParaRPr lang="en-US" sz="2800" b="0" i="0" u="none" strike="noStrike" dirty="0">
                         <a:solidFill>
                           <a:srgbClr val="000000"/>
                         </a:solidFill>
@@ -7172,201 +7654,53 @@
             <p:ph type="title"/>
           </p:nvPr>
         </p:nvSpPr>
+        <p:spPr/>
+        <p:txBody>
+          <a:bodyPr/>
+          <a:lstStyle/>
+          <a:p>
+            <a:r>
+              <a:rPr lang="en-US" dirty="0" smtClean="0"/>
+              <a:t>But…. How does size relate to life form? </a:t>
+            </a:r>
+            <a:endParaRPr lang="en-US" dirty="0"/>
+          </a:p>
+        </p:txBody>
+      </p:sp>
+      <p:pic>
+        <p:nvPicPr>
+          <p:cNvPr id="6" name="Picture 5"/>
+          <p:cNvPicPr>
+            <a:picLocks noChangeAspect="1"/>
+          </p:cNvPicPr>
+          <p:nvPr/>
+        </p:nvPicPr>
+        <p:blipFill>
+          <a:blip r:embed="rId2"/>
+          <a:stretch>
+            <a:fillRect/>
+          </a:stretch>
+        </p:blipFill>
         <p:spPr>
           <a:xfrm>
-            <a:off x="838200" y="4180"/>
-            <a:ext cx="10515600" cy="1325563"/>
+            <a:off x="1600591" y="1290576"/>
+            <a:ext cx="9533574" cy="5377167"/>
           </a:xfrm>
+          <a:prstGeom prst="rect">
+            <a:avLst/>
+          </a:prstGeom>
         </p:spPr>
-        <p:txBody>
-          <a:bodyPr/>
-          <a:lstStyle/>
-          <a:p>
-            <a:r>
-              <a:rPr lang="en-US" dirty="0" smtClean="0"/>
-              <a:t>Conclusions </a:t>
-            </a:r>
-            <a:endParaRPr lang="en-US" dirty="0"/>
-          </a:p>
-        </p:txBody>
-      </p:sp>
-      <p:sp>
-        <p:nvSpPr>
-          <p:cNvPr id="3" name="Content Placeholder 2"/>
-          <p:cNvSpPr>
-            <a:spLocks noGrp="1"/>
-          </p:cNvSpPr>
-          <p:nvPr>
-            <p:ph idx="1"/>
-          </p:nvPr>
-        </p:nvSpPr>
-        <p:spPr/>
-        <p:txBody>
-          <a:bodyPr/>
-          <a:lstStyle/>
-          <a:p>
-            <a:r>
-              <a:rPr lang="en-US" dirty="0" smtClean="0"/>
-              <a:t>There is a difference between </a:t>
-            </a:r>
-            <a:r>
-              <a:rPr lang="en-US" b="1" i="1" dirty="0" smtClean="0">
-                <a:solidFill>
-                  <a:schemeClr val="accent6"/>
-                </a:solidFill>
-              </a:rPr>
-              <a:t>annual plants </a:t>
-            </a:r>
-            <a:r>
-              <a:rPr lang="en-US" b="1" i="1" dirty="0" smtClean="0"/>
-              <a:t>and </a:t>
-            </a:r>
-            <a:r>
-              <a:rPr lang="en-US" b="1" i="1" dirty="0" smtClean="0">
-                <a:solidFill>
-                  <a:schemeClr val="accent1"/>
-                </a:solidFill>
-              </a:rPr>
-              <a:t>perennial </a:t>
-            </a:r>
-            <a:r>
-              <a:rPr lang="en-US" b="1" i="1" dirty="0">
-                <a:solidFill>
-                  <a:schemeClr val="accent1"/>
-                </a:solidFill>
-              </a:rPr>
-              <a:t>plants</a:t>
-            </a:r>
-            <a:r>
-              <a:rPr lang="en-US" b="1" dirty="0">
-                <a:solidFill>
-                  <a:schemeClr val="accent1"/>
-                </a:solidFill>
-              </a:rPr>
-              <a:t>  </a:t>
-            </a:r>
-            <a:r>
-              <a:rPr lang="en-US" b="1" i="1" dirty="0" smtClean="0"/>
-              <a:t>genome</a:t>
-            </a:r>
-            <a:r>
-              <a:rPr lang="en-US" b="1" dirty="0" smtClean="0"/>
-              <a:t> size</a:t>
-            </a:r>
-            <a:r>
-              <a:rPr lang="en-US" dirty="0" smtClean="0"/>
-              <a:t>.</a:t>
-            </a:r>
-          </a:p>
-          <a:p>
-            <a:pPr lvl="1"/>
-            <a:r>
-              <a:rPr lang="en-US" dirty="0" smtClean="0"/>
-              <a:t> </a:t>
-            </a:r>
-            <a:r>
-              <a:rPr lang="en-US" b="1" i="1" dirty="0" smtClean="0">
-                <a:solidFill>
-                  <a:schemeClr val="accent1"/>
-                </a:solidFill>
-              </a:rPr>
-              <a:t>Perennial </a:t>
-            </a:r>
-            <a:r>
-              <a:rPr lang="en-US" b="1" i="1" dirty="0">
-                <a:solidFill>
-                  <a:schemeClr val="accent1"/>
-                </a:solidFill>
-              </a:rPr>
-              <a:t>plants</a:t>
-            </a:r>
-            <a:r>
-              <a:rPr lang="en-US" b="1" dirty="0">
-                <a:solidFill>
-                  <a:schemeClr val="accent1"/>
-                </a:solidFill>
-              </a:rPr>
-              <a:t> </a:t>
-            </a:r>
-            <a:r>
-              <a:rPr lang="en-US" dirty="0" smtClean="0"/>
-              <a:t>seem to have larger size range. This could be due to no selection pressure on genome size.</a:t>
-            </a:r>
-          </a:p>
-          <a:p>
-            <a:pPr lvl="2"/>
-            <a:r>
-              <a:rPr lang="en-US" dirty="0" smtClean="0"/>
-              <a:t>Next: Test if perennial plants have BM evolution.</a:t>
-            </a:r>
-          </a:p>
-          <a:p>
-            <a:pPr lvl="1"/>
-            <a:r>
-              <a:rPr lang="en-US" dirty="0" smtClean="0"/>
-              <a:t>Could this be due to other factors? </a:t>
-            </a:r>
-          </a:p>
-          <a:p>
-            <a:pPr lvl="2"/>
-            <a:r>
-              <a:rPr lang="en-US" dirty="0" smtClean="0"/>
-              <a:t>Type 1 error. Is genome size stochastic?</a:t>
-            </a:r>
-          </a:p>
-          <a:p>
-            <a:pPr lvl="2"/>
-            <a:r>
-              <a:rPr lang="en-US" dirty="0" smtClean="0"/>
-              <a:t>Would adding more sample show two different means </a:t>
-            </a:r>
-            <a:r>
-              <a:rPr lang="en-US" dirty="0"/>
-              <a:t>within </a:t>
-            </a:r>
-            <a:r>
-              <a:rPr lang="en-US" b="1" dirty="0">
-                <a:solidFill>
-                  <a:schemeClr val="accent1"/>
-                </a:solidFill>
-              </a:rPr>
-              <a:t>perennial </a:t>
-            </a:r>
-            <a:r>
-              <a:rPr lang="en-US" b="1" dirty="0" smtClean="0">
-                <a:solidFill>
-                  <a:schemeClr val="accent1"/>
-                </a:solidFill>
-              </a:rPr>
-              <a:t>plants?</a:t>
-            </a:r>
-          </a:p>
-          <a:p>
-            <a:pPr lvl="1"/>
-            <a:endParaRPr lang="en-US" dirty="0"/>
-          </a:p>
-          <a:p>
-            <a:endParaRPr lang="en-US" dirty="0"/>
-          </a:p>
-        </p:txBody>
-      </p:sp>
+      </p:pic>
     </p:spTree>
     <p:extLst>
       <p:ext uri="{BB962C8B-B14F-4D97-AF65-F5344CB8AC3E}">
-        <p14:creationId xmlns:p14="http://schemas.microsoft.com/office/powerpoint/2010/main" val="3620332751"/>
+        <p14:creationId xmlns:p14="http://schemas.microsoft.com/office/powerpoint/2010/main" val="3125795205"/>
       </p:ext>
     </p:extLst>
   </p:cSld>
   <p:clrMapOvr>
     <a:masterClrMapping/>
   </p:clrMapOvr>
-  <p:timing>
-    <p:tnLst>
-      <p:par>
-        <p:cTn id="1" dur="indefinite" restart="never" nodeType="tmRoot"/>
-      </p:par>
-    </p:tnLst>
-  </p:timing>
 </p:sld>
 </file>
 
